--- a/ppts/filter/Kernel-Predicting Convolutional Networks for Denoising.pptx
+++ b/ppts/filter/Kernel-Predicting Convolutional Networks for Denoising.pptx
@@ -2858,7 +2858,7 @@
           <a:p>
             <a:fld id="{116CA9A1-49A5-4813-BE73-64411D697E83}" type="datetimeFigureOut">
               <a:rPr kumimoji="1" lang="ja-JP" altLang="en-US" smtClean="0"/>
-              <a:t>2020/4/8</a:t>
+              <a:t>2020/4/10</a:t>
             </a:fld>
             <a:endParaRPr kumimoji="1" lang="ja-JP" altLang="en-US"/>
           </a:p>
@@ -3023,7 +3023,7 @@
           <a:p>
             <a:fld id="{BB218005-AB2E-4230-9CBF-EC876F8C3946}" type="datetimeFigureOut">
               <a:rPr kumimoji="1" lang="ja-JP" altLang="en-US" smtClean="0"/>
-              <a:t>2020/4/8</a:t>
+              <a:t>2020/4/10</a:t>
             </a:fld>
             <a:endParaRPr kumimoji="1" lang="ja-JP" altLang="en-US"/>
           </a:p>
@@ -7580,6 +7580,29 @@
               <a:rPr lang="ja-JP" altLang="en-US" sz="2000" b="1" dirty="0"/>
               <a:t>アプローチ</a:t>
             </a:r>
+          </a:p>
+          <a:p>
+            <a:pPr>
+              <a:buFontTx/>
+              <a:buChar char="-"/>
+            </a:pPr>
+            <a:r>
+              <a:rPr lang="en-US" altLang="ja-JP" sz="2000" dirty="0"/>
+              <a:t>Specular</a:t>
+            </a:r>
+            <a:r>
+              <a:rPr lang="ja-JP" altLang="en-US" sz="2000" dirty="0"/>
+              <a:t>と</a:t>
+            </a:r>
+            <a:r>
+              <a:rPr lang="en-US" altLang="ja-JP" sz="2000" dirty="0"/>
+              <a:t>diffuse</a:t>
+            </a:r>
+            <a:r>
+              <a:rPr lang="ja-JP" altLang="en-US" sz="2000" dirty="0"/>
+              <a:t>を分けてそれぞれノイズ除去</a:t>
+            </a:r>
+            <a:endParaRPr lang="en-US" altLang="ja-JP" sz="2000" dirty="0"/>
           </a:p>
           <a:p>
             <a:pPr>
